--- a/chatbot using NLP.pptx
+++ b/chatbot using NLP.pptx
@@ -3319,7 +3319,7 @@
         <p:spPr>
           <a:xfrm>
             <a:off x="757237" y="1524000"/>
-            <a:ext cx="8777288" cy="6858000"/>
+            <a:ext cx="8777288" cy="3163570"/>
           </a:xfrm>
           <a:custGeom>
             <a:avLst/>
